--- a/lab2/Presentation.pptx
+++ b/lab2/Presentation.pptx
@@ -6,11 +6,14 @@
   </p:sldMasterIdLst>
   <p:sldIdLst>
     <p:sldId id="257" r:id="rId2"/>
-    <p:sldId id="256" r:id="rId3"/>
+    <p:sldId id="261" r:id="rId3"/>
     <p:sldId id="258" r:id="rId4"/>
-    <p:sldId id="259" r:id="rId5"/>
-    <p:sldId id="260" r:id="rId6"/>
-    <p:sldId id="261" r:id="rId7"/>
+    <p:sldId id="266" r:id="rId5"/>
+    <p:sldId id="267" r:id="rId6"/>
+    <p:sldId id="265" r:id="rId7"/>
+    <p:sldId id="259" r:id="rId8"/>
+    <p:sldId id="260" r:id="rId9"/>
+    <p:sldId id="264" r:id="rId10"/>
   </p:sldIdLst>
   <p:sldSz cx="9144000" cy="6858000" type="screen4x3"/>
   <p:notesSz cx="6858000" cy="9144000"/>
@@ -293,7 +296,7 @@
           <a:p>
             <a:fld id="{0A973C87-75A9-0641-8972-EB8E2F5447F6}" type="datetimeFigureOut">
               <a:rPr lang="en-US" smtClean="0"/>
-              <a:t>2013-10-21</a:t>
+              <a:t>2013-10-28</a:t>
             </a:fld>
             <a:endParaRPr lang="en-US"/>
           </a:p>
@@ -463,7 +466,7 @@
           <a:p>
             <a:fld id="{0A973C87-75A9-0641-8972-EB8E2F5447F6}" type="datetimeFigureOut">
               <a:rPr lang="en-US" smtClean="0"/>
-              <a:t>2013-10-21</a:t>
+              <a:t>2013-10-28</a:t>
             </a:fld>
             <a:endParaRPr lang="en-US"/>
           </a:p>
@@ -643,7 +646,7 @@
           <a:p>
             <a:fld id="{0A973C87-75A9-0641-8972-EB8E2F5447F6}" type="datetimeFigureOut">
               <a:rPr lang="en-US" smtClean="0"/>
-              <a:t>2013-10-21</a:t>
+              <a:t>2013-10-28</a:t>
             </a:fld>
             <a:endParaRPr lang="en-US"/>
           </a:p>
@@ -813,7 +816,7 @@
           <a:p>
             <a:fld id="{0A973C87-75A9-0641-8972-EB8E2F5447F6}" type="datetimeFigureOut">
               <a:rPr lang="en-US" smtClean="0"/>
-              <a:t>2013-10-21</a:t>
+              <a:t>2013-10-28</a:t>
             </a:fld>
             <a:endParaRPr lang="en-US"/>
           </a:p>
@@ -1059,7 +1062,7 @@
           <a:p>
             <a:fld id="{0A973C87-75A9-0641-8972-EB8E2F5447F6}" type="datetimeFigureOut">
               <a:rPr lang="en-US" smtClean="0"/>
-              <a:t>2013-10-21</a:t>
+              <a:t>2013-10-28</a:t>
             </a:fld>
             <a:endParaRPr lang="en-US"/>
           </a:p>
@@ -1347,7 +1350,7 @@
           <a:p>
             <a:fld id="{0A973C87-75A9-0641-8972-EB8E2F5447F6}" type="datetimeFigureOut">
               <a:rPr lang="en-US" smtClean="0"/>
-              <a:t>2013-10-21</a:t>
+              <a:t>2013-10-28</a:t>
             </a:fld>
             <a:endParaRPr lang="en-US"/>
           </a:p>
@@ -1769,7 +1772,7 @@
           <a:p>
             <a:fld id="{0A973C87-75A9-0641-8972-EB8E2F5447F6}" type="datetimeFigureOut">
               <a:rPr lang="en-US" smtClean="0"/>
-              <a:t>2013-10-21</a:t>
+              <a:t>2013-10-28</a:t>
             </a:fld>
             <a:endParaRPr lang="en-US"/>
           </a:p>
@@ -1887,7 +1890,7 @@
           <a:p>
             <a:fld id="{0A973C87-75A9-0641-8972-EB8E2F5447F6}" type="datetimeFigureOut">
               <a:rPr lang="en-US" smtClean="0"/>
-              <a:t>2013-10-21</a:t>
+              <a:t>2013-10-28</a:t>
             </a:fld>
             <a:endParaRPr lang="en-US"/>
           </a:p>
@@ -1982,7 +1985,7 @@
           <a:p>
             <a:fld id="{0A973C87-75A9-0641-8972-EB8E2F5447F6}" type="datetimeFigureOut">
               <a:rPr lang="en-US" smtClean="0"/>
-              <a:t>2013-10-21</a:t>
+              <a:t>2013-10-28</a:t>
             </a:fld>
             <a:endParaRPr lang="en-US"/>
           </a:p>
@@ -2259,7 +2262,7 @@
           <a:p>
             <a:fld id="{0A973C87-75A9-0641-8972-EB8E2F5447F6}" type="datetimeFigureOut">
               <a:rPr lang="en-US" smtClean="0"/>
-              <a:t>2013-10-21</a:t>
+              <a:t>2013-10-28</a:t>
             </a:fld>
             <a:endParaRPr lang="en-US"/>
           </a:p>
@@ -2512,7 +2515,7 @@
           <a:p>
             <a:fld id="{0A973C87-75A9-0641-8972-EB8E2F5447F6}" type="datetimeFigureOut">
               <a:rPr lang="en-US" smtClean="0"/>
-              <a:t>2013-10-21</a:t>
+              <a:t>2013-10-28</a:t>
             </a:fld>
             <a:endParaRPr lang="en-US"/>
           </a:p>
@@ -2725,7 +2728,7 @@
           <a:p>
             <a:fld id="{0A973C87-75A9-0641-8972-EB8E2F5447F6}" type="datetimeFigureOut">
               <a:rPr lang="en-US" smtClean="0"/>
-              <a:t>2013-10-21</a:t>
+              <a:t>2013-10-28</a:t>
             </a:fld>
             <a:endParaRPr lang="en-US"/>
           </a:p>
@@ -3100,47 +3103,504 @@
           <a:chExt cx="0" cy="0"/>
         </a:xfrm>
       </p:grpSpPr>
-      <p:sp>
-        <p:nvSpPr>
-          <p:cNvPr id="2" name="Title 1"/>
-          <p:cNvSpPr>
-            <a:spLocks noGrp="1"/>
-          </p:cNvSpPr>
-          <p:nvPr>
-            <p:ph type="title"/>
-          </p:nvPr>
-        </p:nvSpPr>
-        <p:spPr/>
-        <p:txBody>
-          <a:bodyPr/>
-          <a:lstStyle/>
-          <a:p>
-            <a:endParaRPr lang="en-US"/>
-          </a:p>
-        </p:txBody>
-      </p:sp>
-      <p:sp>
-        <p:nvSpPr>
-          <p:cNvPr id="3" name="Content Placeholder 2"/>
-          <p:cNvSpPr>
-            <a:spLocks noGrp="1"/>
-          </p:cNvSpPr>
-          <p:nvPr>
-            <p:ph idx="1"/>
-          </p:nvPr>
-        </p:nvSpPr>
-        <p:spPr/>
-        <p:txBody>
-          <a:bodyPr/>
-          <a:lstStyle/>
-          <a:p>
-            <a:endParaRPr lang="en-US"/>
-          </a:p>
-        </p:txBody>
-      </p:sp>
       <p:pic>
         <p:nvPicPr>
-          <p:cNvPr id="4" name="Picture 3" descr="Noise1-1.pdf"/>
+          <p:cNvPr id="5" name="Picture 4" descr="neon_Spectra.png"/>
+          <p:cNvPicPr>
+            <a:picLocks noChangeAspect="1"/>
+          </p:cNvPicPr>
+          <p:nvPr/>
+        </p:nvPicPr>
+        <p:blipFill>
+          <a:blip r:embed="rId2">
+            <a:extLst>
+              <a:ext uri="{28A0092B-C50C-407E-A947-70E740481C1C}">
+                <a14:useLocalDpi xmlns:a14="http://schemas.microsoft.com/office/drawing/2010/main" val="0"/>
+              </a:ext>
+            </a:extLst>
+          </a:blip>
+          <a:stretch>
+            <a:fillRect/>
+          </a:stretch>
+        </p:blipFill>
+        <p:spPr>
+          <a:xfrm>
+            <a:off x="293064" y="-1"/>
+            <a:ext cx="8856386" cy="6642289"/>
+          </a:xfrm>
+          <a:prstGeom prst="rect">
+            <a:avLst/>
+          </a:prstGeom>
+        </p:spPr>
+      </p:pic>
+    </p:spTree>
+    <p:extLst>
+      <p:ext uri="{BB962C8B-B14F-4D97-AF65-F5344CB8AC3E}">
+        <p14:creationId xmlns:p14="http://schemas.microsoft.com/office/powerpoint/2010/main" val="1900650543"/>
+      </p:ext>
+    </p:extLst>
+  </p:cSld>
+  <p:clrMapOvr>
+    <a:masterClrMapping/>
+  </p:clrMapOvr>
+  <p:timing>
+    <p:tnLst>
+      <p:par>
+        <p:cTn xmlns:p14="http://schemas.microsoft.com/office/powerpoint/2010/main" id="1" dur="indefinite" restart="never" nodeType="tmRoot"/>
+      </p:par>
+    </p:tnLst>
+  </p:timing>
+</p:sld>
+</file>
+
+<file path=ppt/slides/slide2.xml><?xml version="1.0" encoding="utf-8"?>
+<p:sld xmlns:a="http://schemas.openxmlformats.org/drawingml/2006/main" xmlns:r="http://schemas.openxmlformats.org/officeDocument/2006/relationships" xmlns:p="http://schemas.openxmlformats.org/presentationml/2006/main">
+  <p:cSld>
+    <p:spTree>
+      <p:nvGrpSpPr>
+        <p:cNvPr id="1" name=""/>
+        <p:cNvGrpSpPr/>
+        <p:nvPr/>
+      </p:nvGrpSpPr>
+      <p:grpSpPr>
+        <a:xfrm>
+          <a:off x="0" y="0"/>
+          <a:ext cx="0" cy="0"/>
+          <a:chOff x="0" y="0"/>
+          <a:chExt cx="0" cy="0"/>
+        </a:xfrm>
+      </p:grpSpPr>
+      <p:sp>
+        <p:nvSpPr>
+          <p:cNvPr id="3" name="Content Placeholder 2"/>
+          <p:cNvSpPr>
+            <a:spLocks noGrp="1"/>
+          </p:cNvSpPr>
+          <p:nvPr>
+            <p:ph idx="1"/>
+          </p:nvPr>
+        </p:nvSpPr>
+        <p:spPr/>
+        <p:txBody>
+          <a:bodyPr/>
+          <a:lstStyle/>
+          <a:p>
+            <a:endParaRPr lang="en-US"/>
+          </a:p>
+        </p:txBody>
+      </p:sp>
+      <p:pic>
+        <p:nvPicPr>
+          <p:cNvPr id="4" name="Picture 3" descr="Neon_fit.png"/>
+          <p:cNvPicPr>
+            <a:picLocks noChangeAspect="1"/>
+          </p:cNvPicPr>
+          <p:nvPr/>
+        </p:nvPicPr>
+        <p:blipFill>
+          <a:blip r:embed="rId2">
+            <a:extLst>
+              <a:ext uri="{28A0092B-C50C-407E-A947-70E740481C1C}">
+                <a14:useLocalDpi xmlns:a14="http://schemas.microsoft.com/office/drawing/2010/main" val="0"/>
+              </a:ext>
+            </a:extLst>
+          </a:blip>
+          <a:stretch>
+            <a:fillRect/>
+          </a:stretch>
+        </p:blipFill>
+        <p:spPr>
+          <a:xfrm>
+            <a:off x="326950" y="146521"/>
+            <a:ext cx="8639316" cy="6479487"/>
+          </a:xfrm>
+          <a:prstGeom prst="rect">
+            <a:avLst/>
+          </a:prstGeom>
+        </p:spPr>
+      </p:pic>
+    </p:spTree>
+    <p:extLst>
+      <p:ext uri="{BB962C8B-B14F-4D97-AF65-F5344CB8AC3E}">
+        <p14:creationId xmlns:p14="http://schemas.microsoft.com/office/powerpoint/2010/main" val="2065923665"/>
+      </p:ext>
+    </p:extLst>
+  </p:cSld>
+  <p:clrMapOvr>
+    <a:masterClrMapping/>
+  </p:clrMapOvr>
+  <p:timing>
+    <p:tnLst>
+      <p:par>
+        <p:cTn xmlns:p14="http://schemas.microsoft.com/office/powerpoint/2010/main" id="1" dur="indefinite" restart="never" nodeType="tmRoot"/>
+      </p:par>
+    </p:tnLst>
+  </p:timing>
+</p:sld>
+</file>
+
+<file path=ppt/slides/slide3.xml><?xml version="1.0" encoding="utf-8"?>
+<p:sld xmlns:a="http://schemas.openxmlformats.org/drawingml/2006/main" xmlns:r="http://schemas.openxmlformats.org/officeDocument/2006/relationships" xmlns:p="http://schemas.openxmlformats.org/presentationml/2006/main">
+  <p:cSld>
+    <p:spTree>
+      <p:nvGrpSpPr>
+        <p:cNvPr id="1" name=""/>
+        <p:cNvGrpSpPr/>
+        <p:nvPr/>
+      </p:nvGrpSpPr>
+      <p:grpSpPr>
+        <a:xfrm>
+          <a:off x="0" y="0"/>
+          <a:ext cx="0" cy="0"/>
+          <a:chOff x="0" y="0"/>
+          <a:chExt cx="0" cy="0"/>
+        </a:xfrm>
+      </p:grpSpPr>
+      <p:sp>
+        <p:nvSpPr>
+          <p:cNvPr id="3" name="Content Placeholder 2"/>
+          <p:cNvSpPr>
+            <a:spLocks noGrp="1"/>
+          </p:cNvSpPr>
+          <p:nvPr>
+            <p:ph idx="1"/>
+          </p:nvPr>
+        </p:nvSpPr>
+        <p:spPr/>
+        <p:txBody>
+          <a:bodyPr/>
+          <a:lstStyle/>
+          <a:p>
+            <a:endParaRPr lang="en-US"/>
+          </a:p>
+        </p:txBody>
+      </p:sp>
+      <p:pic>
+        <p:nvPicPr>
+          <p:cNvPr id="4" name="Picture 3" descr="Neon_residual.png"/>
+          <p:cNvPicPr>
+            <a:picLocks noChangeAspect="1"/>
+          </p:cNvPicPr>
+          <p:nvPr/>
+        </p:nvPicPr>
+        <p:blipFill>
+          <a:blip r:embed="rId2">
+            <a:extLst>
+              <a:ext uri="{28A0092B-C50C-407E-A947-70E740481C1C}">
+                <a14:useLocalDpi xmlns:a14="http://schemas.microsoft.com/office/drawing/2010/main" val="0"/>
+              </a:ext>
+            </a:extLst>
+          </a:blip>
+          <a:stretch>
+            <a:fillRect/>
+          </a:stretch>
+        </p:blipFill>
+        <p:spPr>
+          <a:xfrm>
+            <a:off x="173641" y="146521"/>
+            <a:ext cx="8791264" cy="6593448"/>
+          </a:xfrm>
+          <a:prstGeom prst="rect">
+            <a:avLst/>
+          </a:prstGeom>
+        </p:spPr>
+      </p:pic>
+    </p:spTree>
+    <p:extLst>
+      <p:ext uri="{BB962C8B-B14F-4D97-AF65-F5344CB8AC3E}">
+        <p14:creationId xmlns:p14="http://schemas.microsoft.com/office/powerpoint/2010/main" val="102868389"/>
+      </p:ext>
+    </p:extLst>
+  </p:cSld>
+  <p:clrMapOvr>
+    <a:masterClrMapping/>
+  </p:clrMapOvr>
+  <p:timing>
+    <p:tnLst>
+      <p:par>
+        <p:cTn xmlns:p14="http://schemas.microsoft.com/office/powerpoint/2010/main" id="1" dur="indefinite" restart="never" nodeType="tmRoot"/>
+      </p:par>
+    </p:tnLst>
+  </p:timing>
+</p:sld>
+</file>
+
+<file path=ppt/slides/slide4.xml><?xml version="1.0" encoding="utf-8"?>
+<p:sld xmlns:a="http://schemas.openxmlformats.org/drawingml/2006/main" xmlns:r="http://schemas.openxmlformats.org/officeDocument/2006/relationships" xmlns:p="http://schemas.openxmlformats.org/presentationml/2006/main">
+  <p:cSld>
+    <p:spTree>
+      <p:nvGrpSpPr>
+        <p:cNvPr id="1" name=""/>
+        <p:cNvGrpSpPr/>
+        <p:nvPr/>
+      </p:nvGrpSpPr>
+      <p:grpSpPr>
+        <a:xfrm>
+          <a:off x="0" y="0"/>
+          <a:ext cx="0" cy="0"/>
+          <a:chOff x="0" y="0"/>
+          <a:chExt cx="0" cy="0"/>
+        </a:xfrm>
+      </p:grpSpPr>
+      <p:sp>
+        <p:nvSpPr>
+          <p:cNvPr id="3" name="Content Placeholder 2"/>
+          <p:cNvSpPr>
+            <a:spLocks noGrp="1"/>
+          </p:cNvSpPr>
+          <p:nvPr>
+            <p:ph idx="1"/>
+          </p:nvPr>
+        </p:nvSpPr>
+        <p:spPr/>
+        <p:txBody>
+          <a:bodyPr/>
+          <a:lstStyle/>
+          <a:p>
+            <a:endParaRPr lang="en-US"/>
+          </a:p>
+        </p:txBody>
+      </p:sp>
+      <p:pic>
+        <p:nvPicPr>
+          <p:cNvPr id="4" name="Picture 3" descr="Neon_fit_2.png"/>
+          <p:cNvPicPr>
+            <a:picLocks noChangeAspect="1"/>
+          </p:cNvPicPr>
+          <p:nvPr/>
+        </p:nvPicPr>
+        <p:blipFill>
+          <a:blip r:embed="rId2">
+            <a:extLst>
+              <a:ext uri="{28A0092B-C50C-407E-A947-70E740481C1C}">
+                <a14:useLocalDpi xmlns:a14="http://schemas.microsoft.com/office/drawing/2010/main" val="0"/>
+              </a:ext>
+            </a:extLst>
+          </a:blip>
+          <a:stretch>
+            <a:fillRect/>
+          </a:stretch>
+        </p:blipFill>
+        <p:spPr>
+          <a:xfrm>
+            <a:off x="146532" y="0"/>
+            <a:ext cx="8997468" cy="6748101"/>
+          </a:xfrm>
+          <a:prstGeom prst="rect">
+            <a:avLst/>
+          </a:prstGeom>
+        </p:spPr>
+      </p:pic>
+    </p:spTree>
+    <p:extLst>
+      <p:ext uri="{BB962C8B-B14F-4D97-AF65-F5344CB8AC3E}">
+        <p14:creationId xmlns:p14="http://schemas.microsoft.com/office/powerpoint/2010/main" val="685892945"/>
+      </p:ext>
+    </p:extLst>
+  </p:cSld>
+  <p:clrMapOvr>
+    <a:masterClrMapping/>
+  </p:clrMapOvr>
+</p:sld>
+</file>
+
+<file path=ppt/slides/slide5.xml><?xml version="1.0" encoding="utf-8"?>
+<p:sld xmlns:a="http://schemas.openxmlformats.org/drawingml/2006/main" xmlns:r="http://schemas.openxmlformats.org/officeDocument/2006/relationships" xmlns:p="http://schemas.openxmlformats.org/presentationml/2006/main">
+  <p:cSld>
+    <p:spTree>
+      <p:nvGrpSpPr>
+        <p:cNvPr id="1" name=""/>
+        <p:cNvGrpSpPr/>
+        <p:nvPr/>
+      </p:nvGrpSpPr>
+      <p:grpSpPr>
+        <a:xfrm>
+          <a:off x="0" y="0"/>
+          <a:ext cx="0" cy="0"/>
+          <a:chOff x="0" y="0"/>
+          <a:chExt cx="0" cy="0"/>
+        </a:xfrm>
+      </p:grpSpPr>
+      <p:sp>
+        <p:nvSpPr>
+          <p:cNvPr id="3" name="Content Placeholder 2"/>
+          <p:cNvSpPr>
+            <a:spLocks noGrp="1"/>
+          </p:cNvSpPr>
+          <p:nvPr>
+            <p:ph idx="1"/>
+          </p:nvPr>
+        </p:nvSpPr>
+        <p:spPr/>
+        <p:txBody>
+          <a:bodyPr/>
+          <a:lstStyle/>
+          <a:p>
+            <a:endParaRPr lang="en-US"/>
+          </a:p>
+        </p:txBody>
+      </p:sp>
+      <p:pic>
+        <p:nvPicPr>
+          <p:cNvPr id="4" name="Picture 3" descr="Neon_residual_2.png"/>
+          <p:cNvPicPr>
+            <a:picLocks noChangeAspect="1"/>
+          </p:cNvPicPr>
+          <p:nvPr/>
+        </p:nvPicPr>
+        <p:blipFill>
+          <a:blip r:embed="rId2">
+            <a:extLst>
+              <a:ext uri="{28A0092B-C50C-407E-A947-70E740481C1C}">
+                <a14:useLocalDpi xmlns:a14="http://schemas.microsoft.com/office/drawing/2010/main" val="0"/>
+              </a:ext>
+            </a:extLst>
+          </a:blip>
+          <a:stretch>
+            <a:fillRect/>
+          </a:stretch>
+        </p:blipFill>
+        <p:spPr>
+          <a:xfrm>
+            <a:off x="287616" y="0"/>
+            <a:ext cx="8856384" cy="6642288"/>
+          </a:xfrm>
+          <a:prstGeom prst="rect">
+            <a:avLst/>
+          </a:prstGeom>
+        </p:spPr>
+      </p:pic>
+    </p:spTree>
+    <p:extLst>
+      <p:ext uri="{BB962C8B-B14F-4D97-AF65-F5344CB8AC3E}">
+        <p14:creationId xmlns:p14="http://schemas.microsoft.com/office/powerpoint/2010/main" val="306899745"/>
+      </p:ext>
+    </p:extLst>
+  </p:cSld>
+  <p:clrMapOvr>
+    <a:masterClrMapping/>
+  </p:clrMapOvr>
+</p:sld>
+</file>
+
+<file path=ppt/slides/slide6.xml><?xml version="1.0" encoding="utf-8"?>
+<p:sld xmlns:a="http://schemas.openxmlformats.org/drawingml/2006/main" xmlns:r="http://schemas.openxmlformats.org/officeDocument/2006/relationships" xmlns:p="http://schemas.openxmlformats.org/presentationml/2006/main">
+  <p:cSld>
+    <p:spTree>
+      <p:nvGrpSpPr>
+        <p:cNvPr id="1" name=""/>
+        <p:cNvGrpSpPr/>
+        <p:nvPr/>
+      </p:nvGrpSpPr>
+      <p:grpSpPr>
+        <a:xfrm>
+          <a:off x="0" y="0"/>
+          <a:ext cx="0" cy="0"/>
+          <a:chOff x="0" y="0"/>
+          <a:chExt cx="0" cy="0"/>
+        </a:xfrm>
+      </p:grpSpPr>
+      <p:sp>
+        <p:nvSpPr>
+          <p:cNvPr id="3" name="Content Placeholder 2"/>
+          <p:cNvSpPr>
+            <a:spLocks noGrp="1"/>
+          </p:cNvSpPr>
+          <p:nvPr>
+            <p:ph idx="1"/>
+          </p:nvPr>
+        </p:nvSpPr>
+        <p:spPr/>
+        <p:txBody>
+          <a:bodyPr/>
+          <a:lstStyle/>
+          <a:p>
+            <a:endParaRPr lang="en-US"/>
+          </a:p>
+        </p:txBody>
+      </p:sp>
+      <p:pic>
+        <p:nvPicPr>
+          <p:cNvPr id="4" name="Picture 3" descr="1392785_10151704647353314_1579694799_n.jpg"/>
+          <p:cNvPicPr>
+            <a:picLocks noChangeAspect="1"/>
+          </p:cNvPicPr>
+          <p:nvPr/>
+        </p:nvPicPr>
+        <p:blipFill>
+          <a:blip r:embed="rId2">
+            <a:extLst>
+              <a:ext uri="{28A0092B-C50C-407E-A947-70E740481C1C}">
+                <a14:useLocalDpi xmlns:a14="http://schemas.microsoft.com/office/drawing/2010/main" val="0"/>
+              </a:ext>
+            </a:extLst>
+          </a:blip>
+          <a:stretch>
+            <a:fillRect/>
+          </a:stretch>
+        </p:blipFill>
+        <p:spPr>
+          <a:xfrm>
+            <a:off x="0" y="0"/>
+            <a:ext cx="9144000" cy="6858000"/>
+          </a:xfrm>
+          <a:prstGeom prst="rect">
+            <a:avLst/>
+          </a:prstGeom>
+        </p:spPr>
+      </p:pic>
+    </p:spTree>
+    <p:extLst>
+      <p:ext uri="{BB962C8B-B14F-4D97-AF65-F5344CB8AC3E}">
+        <p14:creationId xmlns:p14="http://schemas.microsoft.com/office/powerpoint/2010/main" val="3299864706"/>
+      </p:ext>
+    </p:extLst>
+  </p:cSld>
+  <p:clrMapOvr>
+    <a:masterClrMapping/>
+  </p:clrMapOvr>
+</p:sld>
+</file>
+
+<file path=ppt/slides/slide7.xml><?xml version="1.0" encoding="utf-8"?>
+<p:sld xmlns:a="http://schemas.openxmlformats.org/drawingml/2006/main" xmlns:r="http://schemas.openxmlformats.org/officeDocument/2006/relationships" xmlns:p="http://schemas.openxmlformats.org/presentationml/2006/main">
+  <p:cSld>
+    <p:spTree>
+      <p:nvGrpSpPr>
+        <p:cNvPr id="1" name=""/>
+        <p:cNvGrpSpPr/>
+        <p:nvPr/>
+      </p:nvGrpSpPr>
+      <p:grpSpPr>
+        <a:xfrm>
+          <a:off x="0" y="0"/>
+          <a:ext cx="0" cy="0"/>
+          <a:chOff x="0" y="0"/>
+          <a:chExt cx="0" cy="0"/>
+        </a:xfrm>
+      </p:grpSpPr>
+      <p:sp>
+        <p:nvSpPr>
+          <p:cNvPr id="3" name="Content Placeholder 2"/>
+          <p:cNvSpPr>
+            <a:spLocks noGrp="1"/>
+          </p:cNvSpPr>
+          <p:nvPr>
+            <p:ph idx="1"/>
+          </p:nvPr>
+        </p:nvSpPr>
+        <p:spPr/>
+        <p:txBody>
+          <a:bodyPr/>
+          <a:lstStyle/>
+          <a:p>
+            <a:endParaRPr lang="en-US"/>
+          </a:p>
+        </p:txBody>
+      </p:sp>
+      <p:pic>
+        <p:nvPicPr>
+          <p:cNvPr id="4" name="Picture 3" descr="withoutVega.png"/>
           <p:cNvPicPr>
             <a:picLocks noChangeAspect="1"/>
           </p:cNvPicPr>
@@ -3171,17 +3631,24 @@
     </p:spTree>
     <p:extLst>
       <p:ext uri="{BB962C8B-B14F-4D97-AF65-F5344CB8AC3E}">
-        <p14:creationId xmlns:p14="http://schemas.microsoft.com/office/powerpoint/2010/main" val="1900650543"/>
+        <p14:creationId xmlns:p14="http://schemas.microsoft.com/office/powerpoint/2010/main" val="718142708"/>
       </p:ext>
     </p:extLst>
   </p:cSld>
   <p:clrMapOvr>
     <a:masterClrMapping/>
   </p:clrMapOvr>
+  <p:timing>
+    <p:tnLst>
+      <p:par>
+        <p:cTn xmlns:p14="http://schemas.microsoft.com/office/powerpoint/2010/main" id="1" dur="indefinite" restart="never" nodeType="tmRoot"/>
+      </p:par>
+    </p:tnLst>
+  </p:timing>
 </p:sld>
 </file>
 
-<file path=ppt/slides/slide2.xml><?xml version="1.0" encoding="utf-8"?>
+<file path=ppt/slides/slide8.xml><?xml version="1.0" encoding="utf-8"?>
 <p:sld xmlns:a="http://schemas.openxmlformats.org/drawingml/2006/main" xmlns:r="http://schemas.openxmlformats.org/officeDocument/2006/relationships" xmlns:p="http://schemas.openxmlformats.org/presentationml/2006/main">
   <p:cSld>
     <p:spTree>
@@ -3200,31 +3667,12 @@
       </p:grpSpPr>
       <p:sp>
         <p:nvSpPr>
-          <p:cNvPr id="2" name="Title 1"/>
-          <p:cNvSpPr>
-            <a:spLocks noGrp="1"/>
-          </p:cNvSpPr>
-          <p:nvPr>
-            <p:ph type="ctrTitle"/>
-          </p:nvPr>
-        </p:nvSpPr>
-        <p:spPr/>
-        <p:txBody>
-          <a:bodyPr/>
-          <a:lstStyle/>
-          <a:p>
-            <a:endParaRPr lang="en-US" dirty="0"/>
-          </a:p>
-        </p:txBody>
-      </p:sp>
-      <p:sp>
-        <p:nvSpPr>
-          <p:cNvPr id="3" name="Subtitle 2"/>
-          <p:cNvSpPr>
-            <a:spLocks noGrp="1"/>
-          </p:cNvSpPr>
-          <p:nvPr>
-            <p:ph type="subTitle" idx="1"/>
+          <p:cNvPr id="3" name="Content Placeholder 2"/>
+          <p:cNvSpPr>
+            <a:spLocks noGrp="1"/>
+          </p:cNvSpPr>
+          <p:nvPr>
+            <p:ph idx="1"/>
           </p:nvPr>
         </p:nvSpPr>
         <p:spPr/>
@@ -3238,7 +3686,7 @@
       </p:sp>
       <p:pic>
         <p:nvPicPr>
-          <p:cNvPr id="4" name="Picture 3" descr="Noise3-1.pdf"/>
+          <p:cNvPr id="4" name="Picture 3" descr="Vega.png"/>
           <p:cNvPicPr>
             <a:picLocks noChangeAspect="1"/>
           </p:cNvPicPr>
@@ -3258,8 +3706,8 @@
         </p:blipFill>
         <p:spPr>
           <a:xfrm>
-            <a:off x="412126" y="0"/>
-            <a:ext cx="8046074" cy="6858000"/>
+            <a:off x="0" y="0"/>
+            <a:ext cx="9144000" cy="6650182"/>
           </a:xfrm>
           <a:prstGeom prst="rect">
             <a:avLst/>
@@ -3269,17 +3717,24 @@
     </p:spTree>
     <p:extLst>
       <p:ext uri="{BB962C8B-B14F-4D97-AF65-F5344CB8AC3E}">
-        <p14:creationId xmlns:p14="http://schemas.microsoft.com/office/powerpoint/2010/main" val="4013382428"/>
+        <p14:creationId xmlns:p14="http://schemas.microsoft.com/office/powerpoint/2010/main" val="2549992514"/>
       </p:ext>
     </p:extLst>
   </p:cSld>
   <p:clrMapOvr>
     <a:masterClrMapping/>
   </p:clrMapOvr>
+  <p:timing>
+    <p:tnLst>
+      <p:par>
+        <p:cTn xmlns:p14="http://schemas.microsoft.com/office/powerpoint/2010/main" id="1" dur="indefinite" restart="never" nodeType="tmRoot"/>
+      </p:par>
+    </p:tnLst>
+  </p:timing>
 </p:sld>
 </file>
 
-<file path=ppt/slides/slide3.xml><?xml version="1.0" encoding="utf-8"?>
+<file path=ppt/slides/slide9.xml><?xml version="1.0" encoding="utf-8"?>
 <p:sld xmlns:a="http://schemas.openxmlformats.org/drawingml/2006/main" xmlns:r="http://schemas.openxmlformats.org/officeDocument/2006/relationships" xmlns:p="http://schemas.openxmlformats.org/presentationml/2006/main">
   <p:cSld>
     <p:spTree>
@@ -3298,26 +3753,103 @@
       </p:grpSpPr>
       <p:sp>
         <p:nvSpPr>
-          <p:cNvPr id="9" name="Content Placeholder 8"/>
-          <p:cNvSpPr>
-            <a:spLocks noGrp="1"/>
-          </p:cNvSpPr>
-          <p:nvPr>
-            <p:ph idx="1"/>
-          </p:nvPr>
-        </p:nvSpPr>
-        <p:spPr/>
-        <p:txBody>
-          <a:bodyPr/>
-          <a:lstStyle/>
-          <a:p>
-            <a:endParaRPr lang="en-US"/>
+          <p:cNvPr id="4" name="TextBox 3"/>
+          <p:cNvSpPr txBox="1"/>
+          <p:nvPr/>
+        </p:nvSpPr>
+        <p:spPr>
+          <a:xfrm>
+            <a:off x="944317" y="455845"/>
+            <a:ext cx="2393355" cy="1754327"/>
+          </a:xfrm>
+          <a:prstGeom prst="rect">
+            <a:avLst/>
+          </a:prstGeom>
+          <a:noFill/>
+        </p:spPr>
+        <p:txBody>
+          <a:bodyPr wrap="square" rtlCol="0">
+            <a:spAutoFit/>
+          </a:bodyPr>
+          <a:lstStyle/>
+          <a:p>
+            <a:r>
+              <a:rPr lang="en-US" u="sng" dirty="0" smtClean="0"/>
+              <a:t>Data </a:t>
+            </a:r>
+            <a:r>
+              <a:rPr lang="en-US" dirty="0" smtClean="0"/>
+              <a:t>	    </a:t>
+            </a:r>
+            <a:r>
+              <a:rPr lang="en-US" u="sng" dirty="0" smtClean="0"/>
+              <a:t>Theoretical</a:t>
+            </a:r>
+          </a:p>
+          <a:p>
+            <a:r>
+              <a:rPr lang="en-US" dirty="0" smtClean="0"/>
+              <a:t>3836.93 </a:t>
+            </a:r>
+            <a:r>
+              <a:rPr lang="en-US" dirty="0"/>
+              <a:t>	</a:t>
+            </a:r>
+            <a:r>
+              <a:rPr lang="en-US" dirty="0" smtClean="0"/>
+              <a:t> 	3889</a:t>
+            </a:r>
+            <a:endParaRPr lang="en-US" dirty="0"/>
+          </a:p>
+          <a:p>
+            <a:r>
+              <a:rPr lang="en-US" dirty="0"/>
+              <a:t>3926.75 </a:t>
+            </a:r>
+            <a:r>
+              <a:rPr lang="en-US" dirty="0" smtClean="0"/>
+              <a:t>	 	3970</a:t>
+            </a:r>
+            <a:endParaRPr lang="en-US" dirty="0"/>
+          </a:p>
+          <a:p>
+            <a:r>
+              <a:rPr lang="en-US" dirty="0"/>
+              <a:t>4140.60 </a:t>
+            </a:r>
+            <a:r>
+              <a:rPr lang="en-US" dirty="0" smtClean="0"/>
+              <a:t>	 	4102</a:t>
+            </a:r>
+            <a:endParaRPr lang="en-US" dirty="0"/>
+          </a:p>
+          <a:p>
+            <a:r>
+              <a:rPr lang="en-US" dirty="0"/>
+              <a:t>4380.11 </a:t>
+            </a:r>
+            <a:r>
+              <a:rPr lang="en-US" dirty="0" smtClean="0"/>
+              <a:t>	 	4340</a:t>
+            </a:r>
+            <a:endParaRPr lang="en-US" dirty="0"/>
+          </a:p>
+          <a:p>
+            <a:r>
+              <a:rPr lang="en-US" dirty="0"/>
+              <a:t>4897.63 </a:t>
+            </a:r>
+            <a:r>
+              <a:rPr lang="en-US" dirty="0" smtClean="0"/>
+              <a:t>	 	4861</a:t>
+            </a:r>
+            <a:endParaRPr lang="en-US" dirty="0"/>
           </a:p>
         </p:txBody>
       </p:sp>
       <p:pic>
         <p:nvPicPr>
-          <p:cNvPr id="10" name="Picture 9" descr="plot3.pdf"/>
+          <p:cNvPr id="5" name="Picture 4" descr="Vega.jpg"/>
           <p:cNvPicPr>
             <a:picLocks noChangeAspect="1"/>
           </p:cNvPicPr>
@@ -3337,8 +3869,8 @@
         </p:blipFill>
         <p:spPr>
           <a:xfrm>
-            <a:off x="211657" y="-1"/>
-            <a:ext cx="8867625" cy="6650719"/>
+            <a:off x="1361526" y="2411374"/>
+            <a:ext cx="7782474" cy="4257514"/>
           </a:xfrm>
           <a:prstGeom prst="rect">
             <a:avLst/>
@@ -3348,250 +3880,20 @@
     </p:spTree>
     <p:extLst>
       <p:ext uri="{BB962C8B-B14F-4D97-AF65-F5344CB8AC3E}">
-        <p14:creationId xmlns:p14="http://schemas.microsoft.com/office/powerpoint/2010/main" val="4062321799"/>
+        <p14:creationId xmlns:p14="http://schemas.microsoft.com/office/powerpoint/2010/main" val="3466753781"/>
       </p:ext>
     </p:extLst>
   </p:cSld>
   <p:clrMapOvr>
     <a:masterClrMapping/>
   </p:clrMapOvr>
-</p:sld>
-</file>
-
-<file path=ppt/slides/slide4.xml><?xml version="1.0" encoding="utf-8"?>
-<p:sld xmlns:a="http://schemas.openxmlformats.org/drawingml/2006/main" xmlns:r="http://schemas.openxmlformats.org/officeDocument/2006/relationships" xmlns:p="http://schemas.openxmlformats.org/presentationml/2006/main">
-  <p:cSld>
-    <p:spTree>
-      <p:nvGrpSpPr>
-        <p:cNvPr id="1" name=""/>
-        <p:cNvGrpSpPr/>
-        <p:nvPr/>
-      </p:nvGrpSpPr>
-      <p:grpSpPr>
-        <a:xfrm>
-          <a:off x="0" y="0"/>
-          <a:ext cx="0" cy="0"/>
-          <a:chOff x="0" y="0"/>
-          <a:chExt cx="0" cy="0"/>
-        </a:xfrm>
-      </p:grpSpPr>
-      <p:sp>
-        <p:nvSpPr>
-          <p:cNvPr id="3" name="Content Placeholder 2"/>
-          <p:cNvSpPr>
-            <a:spLocks noGrp="1"/>
-          </p:cNvSpPr>
-          <p:nvPr>
-            <p:ph idx="1"/>
-          </p:nvPr>
-        </p:nvSpPr>
-        <p:spPr/>
-        <p:txBody>
-          <a:bodyPr/>
-          <a:lstStyle/>
-          <a:p>
-            <a:endParaRPr lang="en-US"/>
-          </a:p>
-        </p:txBody>
-      </p:sp>
-      <p:pic>
-        <p:nvPicPr>
-          <p:cNvPr id="4" name="Picture 3" descr="mean_Variance3.pdf"/>
-          <p:cNvPicPr>
-            <a:picLocks noChangeAspect="1"/>
-          </p:cNvPicPr>
-          <p:nvPr/>
-        </p:nvPicPr>
-        <p:blipFill>
-          <a:blip r:embed="rId2">
-            <a:extLst>
-              <a:ext uri="{28A0092B-C50C-407E-A947-70E740481C1C}">
-                <a14:useLocalDpi xmlns:a14="http://schemas.microsoft.com/office/drawing/2010/main" val="0"/>
-              </a:ext>
-            </a:extLst>
-          </a:blip>
-          <a:stretch>
-            <a:fillRect/>
-          </a:stretch>
-        </p:blipFill>
-        <p:spPr>
-          <a:xfrm>
-            <a:off x="162813" y="0"/>
-            <a:ext cx="8818781" cy="6614086"/>
-          </a:xfrm>
-          <a:prstGeom prst="rect">
-            <a:avLst/>
-          </a:prstGeom>
-        </p:spPr>
-      </p:pic>
-    </p:spTree>
-    <p:extLst>
-      <p:ext uri="{BB962C8B-B14F-4D97-AF65-F5344CB8AC3E}">
-        <p14:creationId xmlns:p14="http://schemas.microsoft.com/office/powerpoint/2010/main" val="142910424"/>
-      </p:ext>
-    </p:extLst>
-  </p:cSld>
-  <p:clrMapOvr>
-    <a:masterClrMapping/>
-  </p:clrMapOvr>
-</p:sld>
-</file>
-
-<file path=ppt/slides/slide5.xml><?xml version="1.0" encoding="utf-8"?>
-<p:sld xmlns:a="http://schemas.openxmlformats.org/drawingml/2006/main" xmlns:r="http://schemas.openxmlformats.org/officeDocument/2006/relationships" xmlns:p="http://schemas.openxmlformats.org/presentationml/2006/main">
-  <p:cSld>
-    <p:spTree>
-      <p:nvGrpSpPr>
-        <p:cNvPr id="1" name=""/>
-        <p:cNvGrpSpPr/>
-        <p:nvPr/>
-      </p:nvGrpSpPr>
-      <p:grpSpPr>
-        <a:xfrm>
-          <a:off x="0" y="0"/>
-          <a:ext cx="0" cy="0"/>
-          <a:chOff x="0" y="0"/>
-          <a:chExt cx="0" cy="0"/>
-        </a:xfrm>
-      </p:grpSpPr>
-      <p:sp>
-        <p:nvSpPr>
-          <p:cNvPr id="3" name="Content Placeholder 2"/>
-          <p:cNvSpPr>
-            <a:spLocks noGrp="1"/>
-          </p:cNvSpPr>
-          <p:nvPr>
-            <p:ph idx="1"/>
-          </p:nvPr>
-        </p:nvSpPr>
-        <p:spPr/>
-        <p:txBody>
-          <a:bodyPr/>
-          <a:lstStyle/>
-          <a:p>
-            <a:endParaRPr lang="en-US"/>
-          </a:p>
-        </p:txBody>
-      </p:sp>
-      <p:pic>
-        <p:nvPicPr>
-          <p:cNvPr id="4" name="Picture 3" descr="plot3_1.pdf"/>
-          <p:cNvPicPr>
-            <a:picLocks noChangeAspect="1"/>
-          </p:cNvPicPr>
-          <p:nvPr/>
-        </p:nvPicPr>
-        <p:blipFill>
-          <a:blip r:embed="rId2">
-            <a:extLst>
-              <a:ext uri="{28A0092B-C50C-407E-A947-70E740481C1C}">
-                <a14:useLocalDpi xmlns:a14="http://schemas.microsoft.com/office/drawing/2010/main" val="0"/>
-              </a:ext>
-            </a:extLst>
-          </a:blip>
-          <a:stretch>
-            <a:fillRect/>
-          </a:stretch>
-        </p:blipFill>
-        <p:spPr>
-          <a:xfrm>
-            <a:off x="341908" y="-1"/>
-            <a:ext cx="8802092" cy="6601569"/>
-          </a:xfrm>
-          <a:prstGeom prst="rect">
-            <a:avLst/>
-          </a:prstGeom>
-        </p:spPr>
-      </p:pic>
-    </p:spTree>
-    <p:extLst>
-      <p:ext uri="{BB962C8B-B14F-4D97-AF65-F5344CB8AC3E}">
-        <p14:creationId xmlns:p14="http://schemas.microsoft.com/office/powerpoint/2010/main" val="908170189"/>
-      </p:ext>
-    </p:extLst>
-  </p:cSld>
-  <p:clrMapOvr>
-    <a:masterClrMapping/>
-  </p:clrMapOvr>
-</p:sld>
-</file>
-
-<file path=ppt/slides/slide6.xml><?xml version="1.0" encoding="utf-8"?>
-<p:sld xmlns:a="http://schemas.openxmlformats.org/drawingml/2006/main" xmlns:r="http://schemas.openxmlformats.org/officeDocument/2006/relationships" xmlns:p="http://schemas.openxmlformats.org/presentationml/2006/main">
-  <p:cSld>
-    <p:spTree>
-      <p:nvGrpSpPr>
-        <p:cNvPr id="1" name=""/>
-        <p:cNvGrpSpPr/>
-        <p:nvPr/>
-      </p:nvGrpSpPr>
-      <p:grpSpPr>
-        <a:xfrm>
-          <a:off x="0" y="0"/>
-          <a:ext cx="0" cy="0"/>
-          <a:chOff x="0" y="0"/>
-          <a:chExt cx="0" cy="0"/>
-        </a:xfrm>
-      </p:grpSpPr>
-      <p:sp>
-        <p:nvSpPr>
-          <p:cNvPr id="3" name="Content Placeholder 2"/>
-          <p:cNvSpPr>
-            <a:spLocks noGrp="1"/>
-          </p:cNvSpPr>
-          <p:nvPr>
-            <p:ph idx="1"/>
-          </p:nvPr>
-        </p:nvSpPr>
-        <p:spPr/>
-        <p:txBody>
-          <a:bodyPr/>
-          <a:lstStyle/>
-          <a:p>
-            <a:endParaRPr lang="en-US"/>
-          </a:p>
-        </p:txBody>
-      </p:sp>
-      <p:pic>
-        <p:nvPicPr>
-          <p:cNvPr id="4" name="Picture 3" descr="mean_Variance3_reduced.pdf"/>
-          <p:cNvPicPr>
-            <a:picLocks noChangeAspect="1"/>
-          </p:cNvPicPr>
-          <p:nvPr/>
-        </p:nvPicPr>
-        <p:blipFill>
-          <a:blip r:embed="rId2">
-            <a:extLst>
-              <a:ext uri="{28A0092B-C50C-407E-A947-70E740481C1C}">
-                <a14:useLocalDpi xmlns:a14="http://schemas.microsoft.com/office/drawing/2010/main" val="0"/>
-              </a:ext>
-            </a:extLst>
-          </a:blip>
-          <a:stretch>
-            <a:fillRect/>
-          </a:stretch>
-        </p:blipFill>
-        <p:spPr>
-          <a:xfrm>
-            <a:off x="457200" y="227922"/>
-            <a:ext cx="8263893" cy="6197920"/>
-          </a:xfrm>
-          <a:prstGeom prst="rect">
-            <a:avLst/>
-          </a:prstGeom>
-        </p:spPr>
-      </p:pic>
-    </p:spTree>
-    <p:extLst>
-      <p:ext uri="{BB962C8B-B14F-4D97-AF65-F5344CB8AC3E}">
-        <p14:creationId xmlns:p14="http://schemas.microsoft.com/office/powerpoint/2010/main" val="1962154067"/>
-      </p:ext>
-    </p:extLst>
-  </p:cSld>
-  <p:clrMapOvr>
-    <a:masterClrMapping/>
-  </p:clrMapOvr>
+  <p:timing>
+    <p:tnLst>
+      <p:par>
+        <p:cTn xmlns:p14="http://schemas.microsoft.com/office/powerpoint/2010/main" id="1" dur="indefinite" restart="never" nodeType="tmRoot"/>
+      </p:par>
+    </p:tnLst>
+  </p:timing>
 </p:sld>
 </file>
 
